--- a/Lecture/Data Ethics/Data_Ethics_Lecture.pptx
+++ b/Lecture/Data Ethics/Data_Ethics_Lecture.pptx
@@ -302,7 +302,7 @@
               <a:pPr>
                 <a:defRPr/>
               </a:pPr>
-              <a:t>4/9/2019</a:t>
+              <a:t>7/23/2020</a:t>
             </a:fld>
             <a:endParaRPr lang="en-US" dirty="0"/>
           </a:p>
@@ -514,7 +514,7 @@
               <a:pPr>
                 <a:defRPr/>
               </a:pPr>
-              <a:t>4/9/2019</a:t>
+              <a:t>7/23/2020</a:t>
             </a:fld>
             <a:endParaRPr lang="en-US" dirty="0"/>
           </a:p>
@@ -1033,7 +1033,7 @@
               <a:pPr>
                 <a:defRPr/>
               </a:pPr>
-              <a:t>4/9/2019</a:t>
+              <a:t>7/23/2020</a:t>
             </a:fld>
             <a:endParaRPr lang="en-US" dirty="0"/>
           </a:p>
@@ -1223,7 +1223,7 @@
               <a:pPr>
                 <a:defRPr/>
               </a:pPr>
-              <a:t>4/9/2019</a:t>
+              <a:t>7/23/2020</a:t>
             </a:fld>
             <a:endParaRPr lang="en-US" dirty="0"/>
           </a:p>
@@ -1423,7 +1423,7 @@
               <a:pPr>
                 <a:defRPr/>
               </a:pPr>
-              <a:t>4/9/2019</a:t>
+              <a:t>7/23/2020</a:t>
             </a:fld>
             <a:endParaRPr lang="en-US" dirty="0"/>
           </a:p>
@@ -1691,7 +1691,7 @@
               <a:pPr>
                 <a:defRPr/>
               </a:pPr>
-              <a:t>4/9/2019</a:t>
+              <a:t>7/23/2020</a:t>
             </a:fld>
             <a:endParaRPr lang="en-US" dirty="0">
               <a:solidFill>
@@ -1905,7 +1905,7 @@
               <a:pPr>
                 <a:defRPr/>
               </a:pPr>
-              <a:t>4/9/2019</a:t>
+              <a:t>7/23/2020</a:t>
             </a:fld>
             <a:endParaRPr lang="en-US" dirty="0">
               <a:solidFill>
@@ -2196,7 +2196,7 @@
               <a:pPr>
                 <a:defRPr/>
               </a:pPr>
-              <a:t>4/9/2019</a:t>
+              <a:t>7/23/2020</a:t>
             </a:fld>
             <a:endParaRPr lang="en-US" dirty="0">
               <a:solidFill>
@@ -2527,7 +2527,7 @@
               <a:pPr>
                 <a:defRPr/>
               </a:pPr>
-              <a:t>4/9/2019</a:t>
+              <a:t>7/23/2020</a:t>
             </a:fld>
             <a:endParaRPr lang="en-US" dirty="0">
               <a:solidFill>
@@ -2992,7 +2992,7 @@
               <a:pPr>
                 <a:defRPr/>
               </a:pPr>
-              <a:t>4/9/2019</a:t>
+              <a:t>7/23/2020</a:t>
             </a:fld>
             <a:endParaRPr lang="en-US" dirty="0">
               <a:solidFill>
@@ -3155,7 +3155,7 @@
               <a:pPr>
                 <a:defRPr/>
               </a:pPr>
-              <a:t>4/9/2019</a:t>
+              <a:t>7/23/2020</a:t>
             </a:fld>
             <a:endParaRPr lang="en-US" dirty="0">
               <a:solidFill>
@@ -3296,7 +3296,7 @@
               <a:pPr>
                 <a:defRPr/>
               </a:pPr>
-              <a:t>4/9/2019</a:t>
+              <a:t>7/23/2020</a:t>
             </a:fld>
             <a:endParaRPr lang="en-US" dirty="0">
               <a:solidFill>
@@ -3617,7 +3617,7 @@
               <a:pPr>
                 <a:defRPr/>
               </a:pPr>
-              <a:t>4/9/2019</a:t>
+              <a:t>7/23/2020</a:t>
             </a:fld>
             <a:endParaRPr lang="en-US" dirty="0">
               <a:solidFill>
@@ -3825,7 +3825,7 @@
               <a:pPr>
                 <a:defRPr/>
               </a:pPr>
-              <a:t>4/9/2019</a:t>
+              <a:t>7/23/2020</a:t>
             </a:fld>
             <a:endParaRPr lang="en-US" dirty="0"/>
           </a:p>
@@ -4108,7 +4108,7 @@
               <a:pPr>
                 <a:defRPr/>
               </a:pPr>
-              <a:t>4/9/2019</a:t>
+              <a:t>7/23/2020</a:t>
             </a:fld>
             <a:endParaRPr lang="en-US" dirty="0">
               <a:solidFill>
@@ -4322,7 +4322,7 @@
               <a:pPr>
                 <a:defRPr/>
               </a:pPr>
-              <a:t>4/9/2019</a:t>
+              <a:t>7/23/2020</a:t>
             </a:fld>
             <a:endParaRPr lang="en-US" dirty="0">
               <a:solidFill>
@@ -4546,7 +4546,7 @@
               <a:pPr>
                 <a:defRPr/>
               </a:pPr>
-              <a:t>4/9/2019</a:t>
+              <a:t>7/23/2020</a:t>
             </a:fld>
             <a:endParaRPr lang="en-US" dirty="0">
               <a:solidFill>
@@ -4756,7 +4756,7 @@
               <a:pPr>
                 <a:defRPr/>
               </a:pPr>
-              <a:t>4/9/2019</a:t>
+              <a:t>7/23/2020</a:t>
             </a:fld>
             <a:endParaRPr lang="en-US" dirty="0">
               <a:solidFill>
@@ -5033,7 +5033,7 @@
               <a:pPr>
                 <a:defRPr/>
               </a:pPr>
-              <a:t>4/9/2019</a:t>
+              <a:t>7/23/2020</a:t>
             </a:fld>
             <a:endParaRPr lang="en-US" dirty="0"/>
           </a:p>
@@ -5340,7 +5340,7 @@
               <a:pPr>
                 <a:defRPr/>
               </a:pPr>
-              <a:t>4/9/2019</a:t>
+              <a:t>7/23/2020</a:t>
             </a:fld>
             <a:endParaRPr lang="en-US" dirty="0"/>
           </a:p>
@@ -5781,7 +5781,7 @@
               <a:pPr>
                 <a:defRPr/>
               </a:pPr>
-              <a:t>4/9/2019</a:t>
+              <a:t>7/23/2020</a:t>
             </a:fld>
             <a:endParaRPr lang="en-US" dirty="0"/>
           </a:p>
@@ -5920,7 +5920,7 @@
               <a:pPr>
                 <a:defRPr/>
               </a:pPr>
-              <a:t>4/9/2019</a:t>
+              <a:t>7/23/2020</a:t>
             </a:fld>
             <a:endParaRPr lang="en-US" dirty="0"/>
           </a:p>
@@ -6037,7 +6037,7 @@
               <a:pPr>
                 <a:defRPr/>
               </a:pPr>
-              <a:t>4/9/2019</a:t>
+              <a:t>7/23/2020</a:t>
             </a:fld>
             <a:endParaRPr lang="en-US" dirty="0"/>
           </a:p>
@@ -6334,7 +6334,7 @@
               <a:pPr>
                 <a:defRPr/>
               </a:pPr>
-              <a:t>4/9/2019</a:t>
+              <a:t>7/23/2020</a:t>
             </a:fld>
             <a:endParaRPr lang="en-US" dirty="0"/>
           </a:p>
@@ -6611,7 +6611,7 @@
               <a:pPr>
                 <a:defRPr/>
               </a:pPr>
-              <a:t>4/9/2019</a:t>
+              <a:t>7/23/2020</a:t>
             </a:fld>
             <a:endParaRPr lang="en-US" dirty="0"/>
           </a:p>
@@ -6868,7 +6868,7 @@
               <a:pPr>
                 <a:defRPr/>
               </a:pPr>
-              <a:t>4/9/2019</a:t>
+              <a:t>7/23/2020</a:t>
             </a:fld>
             <a:endParaRPr lang="en-US" dirty="0"/>
           </a:p>
@@ -7578,7 +7578,7 @@
               <a:pPr>
                 <a:defRPr/>
               </a:pPr>
-              <a:t>4/9/2019</a:t>
+              <a:t>7/23/2020</a:t>
             </a:fld>
             <a:endParaRPr lang="en-US" dirty="0">
               <a:solidFill>
@@ -9433,7 +9433,7 @@
           <p:nvPr/>
         </p:nvPicPr>
         <p:blipFill rotWithShape="1">
-          <a:blip r:embed="rId4"/>
+          <a:blip r:embed="rId3"/>
           <a:srcRect l="8000" r="9400"/>
           <a:stretch/>
         </p:blipFill>
@@ -9463,7 +9463,7 @@
         <p:spPr>
           <a:xfrm>
             <a:off x="3886200" y="643467"/>
-            <a:ext cx="5257800" cy="3416320"/>
+            <a:ext cx="5257800" cy="4154984"/>
           </a:xfrm>
           <a:prstGeom prst="rect">
             <a:avLst/>
@@ -9508,43 +9508,6 @@
               <a:buFont typeface="Arial" panose="020B0604020202020204" pitchFamily="34" charset="0"/>
               <a:buChar char="•"/>
             </a:pPr>
-            <a:r>
-              <a:rPr lang="en-US" dirty="0">
-                <a:solidFill>
-                  <a:srgbClr val="404040"/>
-                </a:solidFill>
-              </a:rPr>
-              <a:t>In 2016, Caesar’s Total Rewards Program Was Valued at $1 Billion During Bankruptcy</a:t>
-            </a:r>
-          </a:p>
-          <a:p>
-            <a:pPr marL="800100" lvl="1" indent="-342900">
-              <a:buFont typeface="Arial" panose="020B0604020202020204" pitchFamily="34" charset="0"/>
-              <a:buChar char="•"/>
-            </a:pPr>
-            <a:r>
-              <a:rPr lang="en-US" dirty="0">
-                <a:solidFill>
-                  <a:srgbClr val="404040"/>
-                </a:solidFill>
-                <a:hlinkClick r:id="rId5"/>
-              </a:rPr>
-              <a:t>Article</a:t>
-            </a:r>
-            <a:r>
-              <a:rPr lang="en-US" dirty="0">
-                <a:solidFill>
-                  <a:srgbClr val="404040"/>
-                </a:solidFill>
-              </a:rPr>
-              <a:t> in MIT Sloan Magazine</a:t>
-            </a:r>
-          </a:p>
-          <a:p>
-            <a:pPr marL="800100" lvl="1" indent="-342900">
-              <a:buFont typeface="Arial" panose="020B0604020202020204" pitchFamily="34" charset="0"/>
-              <a:buChar char="•"/>
-            </a:pPr>
             <a:endParaRPr lang="en-US" dirty="0">
               <a:solidFill>
                 <a:srgbClr val="404040"/>
@@ -9556,66 +9519,70 @@
               <a:buFont typeface="Arial" panose="020B0604020202020204" pitchFamily="34" charset="0"/>
               <a:buChar char="•"/>
             </a:pPr>
+            <a:r>
+              <a:rPr lang="en-US" dirty="0">
+                <a:solidFill>
+                  <a:srgbClr val="404040"/>
+                </a:solidFill>
+              </a:rPr>
+              <a:t>In 2016, Caesar’s Total Rewards Program Was Valued at $1 Billion During Bankruptcy</a:t>
+            </a:r>
+          </a:p>
+          <a:p>
+            <a:pPr lvl="1"/>
             <a:endParaRPr lang="en-US" dirty="0">
               <a:solidFill>
                 <a:srgbClr val="404040"/>
               </a:solidFill>
             </a:endParaRPr>
           </a:p>
-        </p:txBody>
-      </p:sp>
-      <p:pic>
-        <p:nvPicPr>
-          <p:cNvPr id="3" name="Online Media 2" title="Data brokers watch everything you do online and sell the information">
-            <a:hlinkClick r:id="" action="ppaction://media"/>
-            <a:extLst>
-              <a:ext uri="{FF2B5EF4-FFF2-40B4-BE49-F238E27FC236}">
-                <a16:creationId xmlns:a16="http://schemas.microsoft.com/office/drawing/2014/main" id="{37E87AAA-D3AC-4595-9C50-B4ABE01F79C5}"/>
-              </a:ext>
-            </a:extLst>
-          </p:cNvPr>
-          <p:cNvPicPr>
-            <a:picLocks noRot="1" noChangeAspect="1"/>
-          </p:cNvPicPr>
-          <p:nvPr>
-            <a:videoFile r:link="rId2"/>
-          </p:nvPr>
-        </p:nvPicPr>
-        <p:blipFill>
-          <a:blip r:embed="rId6"/>
-          <a:stretch>
-            <a:fillRect/>
-          </a:stretch>
-        </p:blipFill>
-        <p:spPr>
-          <a:xfrm>
-            <a:off x="3581400" y="3429000"/>
-            <a:ext cx="5477742" cy="3081230"/>
-          </a:xfrm>
-          <a:prstGeom prst="rect">
-            <a:avLst/>
-          </a:prstGeom>
-          <a:ln>
-            <a:solidFill>
-              <a:srgbClr val="404040"/>
-            </a:solidFill>
-          </a:ln>
-        </p:spPr>
-        <p:style>
-          <a:lnRef idx="2">
-            <a:schemeClr val="dk1"/>
-          </a:lnRef>
-          <a:fillRef idx="1">
-            <a:schemeClr val="lt1"/>
-          </a:fillRef>
-          <a:effectRef idx="0">
-            <a:schemeClr val="dk1"/>
-          </a:effectRef>
-          <a:fontRef idx="minor">
-            <a:schemeClr val="dk1"/>
-          </a:fontRef>
-        </p:style>
-      </p:pic>
+          <a:p>
+            <a:pPr marL="800100" lvl="1" indent="-342900">
+              <a:buFont typeface="Arial" panose="020B0604020202020204" pitchFamily="34" charset="0"/>
+              <a:buChar char="•"/>
+            </a:pPr>
+            <a:r>
+              <a:rPr lang="en-US" dirty="0">
+                <a:solidFill>
+                  <a:srgbClr val="404040"/>
+                </a:solidFill>
+                <a:hlinkClick r:id="rId4"/>
+              </a:rPr>
+              <a:t>Article</a:t>
+            </a:r>
+            <a:r>
+              <a:rPr lang="en-US" dirty="0">
+                <a:solidFill>
+                  <a:srgbClr val="404040"/>
+                </a:solidFill>
+              </a:rPr>
+              <a:t> in MIT Sloan Magazine</a:t>
+            </a:r>
+          </a:p>
+          <a:p>
+            <a:pPr marL="800100" lvl="1" indent="-342900">
+              <a:buFont typeface="Arial" panose="020B0604020202020204" pitchFamily="34" charset="0"/>
+              <a:buChar char="•"/>
+            </a:pPr>
+            <a:endParaRPr lang="en-US" dirty="0">
+              <a:solidFill>
+                <a:srgbClr val="404040"/>
+              </a:solidFill>
+            </a:endParaRPr>
+          </a:p>
+          <a:p>
+            <a:pPr marL="800100" lvl="1" indent="-342900">
+              <a:buFont typeface="Arial" panose="020B0604020202020204" pitchFamily="34" charset="0"/>
+              <a:buChar char="•"/>
+            </a:pPr>
+            <a:endParaRPr lang="en-US" dirty="0">
+              <a:solidFill>
+                <a:srgbClr val="404040"/>
+              </a:solidFill>
+            </a:endParaRPr>
+          </a:p>
+        </p:txBody>
+      </p:sp>
     </p:spTree>
     <p:custDataLst>
       <p:tags r:id="rId1"/>
@@ -11785,7 +11752,7 @@
           <p:nvPr/>
         </p:nvPicPr>
         <p:blipFill rotWithShape="1">
-          <a:blip r:embed="rId5"/>
+          <a:blip r:embed="rId4"/>
           <a:srcRect l="8000" r="9400"/>
           <a:stretch/>
         </p:blipFill>
@@ -11802,58 +11769,6 @@
       </p:pic>
       <p:pic>
         <p:nvPicPr>
-          <p:cNvPr id="5" name="Online Media 4" title="Michael Wilbon on Jacob deGrom winning Cy Young: ￢ﾀﾘHell no￢ﾀﾙ | Pardon The Interruption | ESPN">
-            <a:hlinkClick r:id="" action="ppaction://media"/>
-            <a:extLst>
-              <a:ext uri="{FF2B5EF4-FFF2-40B4-BE49-F238E27FC236}">
-                <a16:creationId xmlns:a16="http://schemas.microsoft.com/office/drawing/2014/main" id="{4A0AA969-CF4D-437E-A540-03317415AB70}"/>
-              </a:ext>
-            </a:extLst>
-          </p:cNvPr>
-          <p:cNvPicPr>
-            <a:picLocks noRot="1" noChangeAspect="1"/>
-          </p:cNvPicPr>
-          <p:nvPr>
-            <a:videoFile r:link="rId2"/>
-          </p:nvPr>
-        </p:nvPicPr>
-        <p:blipFill>
-          <a:blip r:embed="rId6"/>
-          <a:stretch>
-            <a:fillRect/>
-          </a:stretch>
-        </p:blipFill>
-        <p:spPr>
-          <a:xfrm>
-            <a:off x="3563639" y="501126"/>
-            <a:ext cx="5486400" cy="3086100"/>
-          </a:xfrm>
-          <a:prstGeom prst="rect">
-            <a:avLst/>
-          </a:prstGeom>
-          <a:ln>
-            <a:solidFill>
-              <a:srgbClr val="404040"/>
-            </a:solidFill>
-          </a:ln>
-        </p:spPr>
-        <p:style>
-          <a:lnRef idx="2">
-            <a:schemeClr val="dk1"/>
-          </a:lnRef>
-          <a:fillRef idx="1">
-            <a:schemeClr val="lt1"/>
-          </a:fillRef>
-          <a:effectRef idx="0">
-            <a:schemeClr val="dk1"/>
-          </a:effectRef>
-          <a:fontRef idx="minor">
-            <a:schemeClr val="dk1"/>
-          </a:fontRef>
-        </p:style>
-      </p:pic>
-      <p:pic>
-        <p:nvPicPr>
           <p:cNvPr id="6" name="Online Media 5" title="Parks and Recreation - Ron vs. Online Privacy (Episode Highlight)">
             <a:hlinkClick r:id="" action="ppaction://media"/>
             <a:extLst>
@@ -11866,18 +11781,18 @@
             <a:picLocks noRot="1" noChangeAspect="1"/>
           </p:cNvPicPr>
           <p:nvPr>
-            <a:videoFile r:link="rId3"/>
+            <a:videoFile r:link="rId2"/>
           </p:nvPr>
         </p:nvPicPr>
         <p:blipFill>
-          <a:blip r:embed="rId7"/>
+          <a:blip r:embed="rId5"/>
           <a:stretch>
             <a:fillRect/>
           </a:stretch>
         </p:blipFill>
         <p:spPr>
           <a:xfrm>
-            <a:off x="3563639" y="3681312"/>
+            <a:off x="3558876" y="1885950"/>
             <a:ext cx="5486400" cy="3086100"/>
           </a:xfrm>
           <a:prstGeom prst="rect">

--- a/Lecture/Data Ethics/Data_Ethics_Lecture.pptx
+++ b/Lecture/Data Ethics/Data_Ethics_Lecture.pptx
@@ -302,7 +302,7 @@
               <a:pPr>
                 <a:defRPr/>
               </a:pPr>
-              <a:t>7/23/2020</a:t>
+              <a:t>7/22/2021</a:t>
             </a:fld>
             <a:endParaRPr lang="en-US" dirty="0"/>
           </a:p>
@@ -514,7 +514,7 @@
               <a:pPr>
                 <a:defRPr/>
               </a:pPr>
-              <a:t>7/23/2020</a:t>
+              <a:t>7/22/2021</a:t>
             </a:fld>
             <a:endParaRPr lang="en-US" dirty="0"/>
           </a:p>
@@ -1033,7 +1033,7 @@
               <a:pPr>
                 <a:defRPr/>
               </a:pPr>
-              <a:t>7/23/2020</a:t>
+              <a:t>7/22/2021</a:t>
             </a:fld>
             <a:endParaRPr lang="en-US" dirty="0"/>
           </a:p>
@@ -1223,7 +1223,7 @@
               <a:pPr>
                 <a:defRPr/>
               </a:pPr>
-              <a:t>7/23/2020</a:t>
+              <a:t>7/22/2021</a:t>
             </a:fld>
             <a:endParaRPr lang="en-US" dirty="0"/>
           </a:p>
@@ -1423,7 +1423,7 @@
               <a:pPr>
                 <a:defRPr/>
               </a:pPr>
-              <a:t>7/23/2020</a:t>
+              <a:t>7/22/2021</a:t>
             </a:fld>
             <a:endParaRPr lang="en-US" dirty="0"/>
           </a:p>
@@ -1691,7 +1691,7 @@
               <a:pPr>
                 <a:defRPr/>
               </a:pPr>
-              <a:t>7/23/2020</a:t>
+              <a:t>7/22/2021</a:t>
             </a:fld>
             <a:endParaRPr lang="en-US" dirty="0">
               <a:solidFill>
@@ -1905,7 +1905,7 @@
               <a:pPr>
                 <a:defRPr/>
               </a:pPr>
-              <a:t>7/23/2020</a:t>
+              <a:t>7/22/2021</a:t>
             </a:fld>
             <a:endParaRPr lang="en-US" dirty="0">
               <a:solidFill>
@@ -2196,7 +2196,7 @@
               <a:pPr>
                 <a:defRPr/>
               </a:pPr>
-              <a:t>7/23/2020</a:t>
+              <a:t>7/22/2021</a:t>
             </a:fld>
             <a:endParaRPr lang="en-US" dirty="0">
               <a:solidFill>
@@ -2527,7 +2527,7 @@
               <a:pPr>
                 <a:defRPr/>
               </a:pPr>
-              <a:t>7/23/2020</a:t>
+              <a:t>7/22/2021</a:t>
             </a:fld>
             <a:endParaRPr lang="en-US" dirty="0">
               <a:solidFill>
@@ -2992,7 +2992,7 @@
               <a:pPr>
                 <a:defRPr/>
               </a:pPr>
-              <a:t>7/23/2020</a:t>
+              <a:t>7/22/2021</a:t>
             </a:fld>
             <a:endParaRPr lang="en-US" dirty="0">
               <a:solidFill>
@@ -3155,7 +3155,7 @@
               <a:pPr>
                 <a:defRPr/>
               </a:pPr>
-              <a:t>7/23/2020</a:t>
+              <a:t>7/22/2021</a:t>
             </a:fld>
             <a:endParaRPr lang="en-US" dirty="0">
               <a:solidFill>
@@ -3296,7 +3296,7 @@
               <a:pPr>
                 <a:defRPr/>
               </a:pPr>
-              <a:t>7/23/2020</a:t>
+              <a:t>7/22/2021</a:t>
             </a:fld>
             <a:endParaRPr lang="en-US" dirty="0">
               <a:solidFill>
@@ -3617,7 +3617,7 @@
               <a:pPr>
                 <a:defRPr/>
               </a:pPr>
-              <a:t>7/23/2020</a:t>
+              <a:t>7/22/2021</a:t>
             </a:fld>
             <a:endParaRPr lang="en-US" dirty="0">
               <a:solidFill>
@@ -3825,7 +3825,7 @@
               <a:pPr>
                 <a:defRPr/>
               </a:pPr>
-              <a:t>7/23/2020</a:t>
+              <a:t>7/22/2021</a:t>
             </a:fld>
             <a:endParaRPr lang="en-US" dirty="0"/>
           </a:p>
@@ -4108,7 +4108,7 @@
               <a:pPr>
                 <a:defRPr/>
               </a:pPr>
-              <a:t>7/23/2020</a:t>
+              <a:t>7/22/2021</a:t>
             </a:fld>
             <a:endParaRPr lang="en-US" dirty="0">
               <a:solidFill>
@@ -4322,7 +4322,7 @@
               <a:pPr>
                 <a:defRPr/>
               </a:pPr>
-              <a:t>7/23/2020</a:t>
+              <a:t>7/22/2021</a:t>
             </a:fld>
             <a:endParaRPr lang="en-US" dirty="0">
               <a:solidFill>
@@ -4546,7 +4546,7 @@
               <a:pPr>
                 <a:defRPr/>
               </a:pPr>
-              <a:t>7/23/2020</a:t>
+              <a:t>7/22/2021</a:t>
             </a:fld>
             <a:endParaRPr lang="en-US" dirty="0">
               <a:solidFill>
@@ -4756,7 +4756,7 @@
               <a:pPr>
                 <a:defRPr/>
               </a:pPr>
-              <a:t>7/23/2020</a:t>
+              <a:t>7/22/2021</a:t>
             </a:fld>
             <a:endParaRPr lang="en-US" dirty="0">
               <a:solidFill>
@@ -5033,7 +5033,7 @@
               <a:pPr>
                 <a:defRPr/>
               </a:pPr>
-              <a:t>7/23/2020</a:t>
+              <a:t>7/22/2021</a:t>
             </a:fld>
             <a:endParaRPr lang="en-US" dirty="0"/>
           </a:p>
@@ -5340,7 +5340,7 @@
               <a:pPr>
                 <a:defRPr/>
               </a:pPr>
-              <a:t>7/23/2020</a:t>
+              <a:t>7/22/2021</a:t>
             </a:fld>
             <a:endParaRPr lang="en-US" dirty="0"/>
           </a:p>
@@ -5781,7 +5781,7 @@
               <a:pPr>
                 <a:defRPr/>
               </a:pPr>
-              <a:t>7/23/2020</a:t>
+              <a:t>7/22/2021</a:t>
             </a:fld>
             <a:endParaRPr lang="en-US" dirty="0"/>
           </a:p>
@@ -5920,7 +5920,7 @@
               <a:pPr>
                 <a:defRPr/>
               </a:pPr>
-              <a:t>7/23/2020</a:t>
+              <a:t>7/22/2021</a:t>
             </a:fld>
             <a:endParaRPr lang="en-US" dirty="0"/>
           </a:p>
@@ -6037,7 +6037,7 @@
               <a:pPr>
                 <a:defRPr/>
               </a:pPr>
-              <a:t>7/23/2020</a:t>
+              <a:t>7/22/2021</a:t>
             </a:fld>
             <a:endParaRPr lang="en-US" dirty="0"/>
           </a:p>
@@ -6334,7 +6334,7 @@
               <a:pPr>
                 <a:defRPr/>
               </a:pPr>
-              <a:t>7/23/2020</a:t>
+              <a:t>7/22/2021</a:t>
             </a:fld>
             <a:endParaRPr lang="en-US" dirty="0"/>
           </a:p>
@@ -6611,7 +6611,7 @@
               <a:pPr>
                 <a:defRPr/>
               </a:pPr>
-              <a:t>7/23/2020</a:t>
+              <a:t>7/22/2021</a:t>
             </a:fld>
             <a:endParaRPr lang="en-US" dirty="0"/>
           </a:p>
@@ -6868,7 +6868,7 @@
               <a:pPr>
                 <a:defRPr/>
               </a:pPr>
-              <a:t>7/23/2020</a:t>
+              <a:t>7/22/2021</a:t>
             </a:fld>
             <a:endParaRPr lang="en-US" dirty="0"/>
           </a:p>
@@ -7578,7 +7578,7 @@
               <a:pPr>
                 <a:defRPr/>
               </a:pPr>
-              <a:t>7/23/2020</a:t>
+              <a:t>7/22/2021</a:t>
             </a:fld>
             <a:endParaRPr lang="en-US" dirty="0">
               <a:solidFill>
@@ -9947,11 +9947,11 @@
       </p:sp>
       <p:pic>
         <p:nvPicPr>
-          <p:cNvPr id="5" name="Online Media 4" title="What's the future of privacy in a big data world?">
+          <p:cNvPr id="3" name="Online Media 2" title="JONES DAY PRESENTS®: AI: Security and Privacy Risks with Big Data">
             <a:hlinkClick r:id="" action="ppaction://media"/>
             <a:extLst>
               <a:ext uri="{FF2B5EF4-FFF2-40B4-BE49-F238E27FC236}">
-                <a16:creationId xmlns:a16="http://schemas.microsoft.com/office/drawing/2014/main" id="{2F668804-151A-4D07-8A31-864711DDFD4C}"/>
+                <a16:creationId xmlns:a16="http://schemas.microsoft.com/office/drawing/2014/main" id="{494099D0-D58E-40A6-ABCE-418F104A69F9}"/>
               </a:ext>
             </a:extLst>
           </p:cNvPr>
@@ -9970,32 +9970,13 @@
         </p:blipFill>
         <p:spPr>
           <a:xfrm>
-            <a:off x="3581400" y="2961531"/>
-            <a:ext cx="5486400" cy="3086100"/>
+            <a:off x="3613334" y="3024187"/>
+            <a:ext cx="5425891" cy="3065628"/>
           </a:xfrm>
           <a:prstGeom prst="rect">
             <a:avLst/>
           </a:prstGeom>
-          <a:ln>
-            <a:solidFill>
-              <a:srgbClr val="404040"/>
-            </a:solidFill>
-          </a:ln>
         </p:spPr>
-        <p:style>
-          <a:lnRef idx="2">
-            <a:schemeClr val="dk1"/>
-          </a:lnRef>
-          <a:fillRef idx="1">
-            <a:schemeClr val="lt1"/>
-          </a:fillRef>
-          <a:effectRef idx="0">
-            <a:schemeClr val="dk1"/>
-          </a:effectRef>
-          <a:fontRef idx="minor">
-            <a:schemeClr val="dk1"/>
-          </a:fontRef>
-        </p:style>
       </p:pic>
     </p:spTree>
     <p:custDataLst>
@@ -10010,6 +9991,141 @@
   <p:clrMapOvr>
     <a:masterClrMapping/>
   </p:clrMapOvr>
+  <p:timing>
+    <p:tnLst>
+      <p:par>
+        <p:cTn id="1" dur="indefinite" restart="never" nodeType="tmRoot">
+          <p:childTnLst>
+            <p:seq concurrent="1" nextAc="seek">
+              <p:cTn id="2" dur="indefinite" nodeType="mainSeq">
+                <p:childTnLst>
+                  <p:par>
+                    <p:cTn id="3" fill="hold">
+                      <p:stCondLst>
+                        <p:cond delay="indefinite"/>
+                      </p:stCondLst>
+                      <p:childTnLst>
+                        <p:par>
+                          <p:cTn id="4" fill="hold">
+                            <p:stCondLst>
+                              <p:cond delay="0"/>
+                            </p:stCondLst>
+                            <p:childTnLst>
+                              <p:par>
+                                <p:cTn id="5" presetID="1" presetClass="mediacall" presetSubtype="0" fill="hold" nodeType="clickEffect">
+                                  <p:stCondLst>
+                                    <p:cond delay="0"/>
+                                  </p:stCondLst>
+                                  <p:childTnLst>
+                                    <p:cmd type="call" cmd="playFrom(0.0)">
+                                      <p:cBhvr>
+                                        <p:cTn id="6" dur="1" fill="hold"/>
+                                        <p:tgtEl>
+                                          <p:spTgt spid="3"/>
+                                        </p:tgtEl>
+                                      </p:cBhvr>
+                                    </p:cmd>
+                                  </p:childTnLst>
+                                </p:cTn>
+                              </p:par>
+                            </p:childTnLst>
+                          </p:cTn>
+                        </p:par>
+                      </p:childTnLst>
+                    </p:cTn>
+                  </p:par>
+                </p:childTnLst>
+              </p:cTn>
+              <p:prevCondLst>
+                <p:cond evt="onPrev" delay="0">
+                  <p:tgtEl>
+                    <p:sldTgt/>
+                  </p:tgtEl>
+                </p:cond>
+              </p:prevCondLst>
+              <p:nextCondLst>
+                <p:cond evt="onNext" delay="0">
+                  <p:tgtEl>
+                    <p:sldTgt/>
+                  </p:tgtEl>
+                </p:cond>
+              </p:nextCondLst>
+            </p:seq>
+            <p:video>
+              <p:cMediaNode vol="80000">
+                <p:cTn id="7" fill="hold" display="0">
+                  <p:stCondLst>
+                    <p:cond delay="indefinite"/>
+                  </p:stCondLst>
+                </p:cTn>
+                <p:tgtEl>
+                  <p:spTgt spid="3"/>
+                </p:tgtEl>
+              </p:cMediaNode>
+            </p:video>
+            <p:seq concurrent="1" nextAc="seek">
+              <p:cTn id="8" restart="whenNotActive" fill="hold" evtFilter="cancelBubble" nodeType="interactiveSeq">
+                <p:stCondLst>
+                  <p:cond evt="onClick" delay="0">
+                    <p:tgtEl>
+                      <p:spTgt spid="3"/>
+                    </p:tgtEl>
+                  </p:cond>
+                </p:stCondLst>
+                <p:endSync evt="end" delay="0">
+                  <p:rtn val="all"/>
+                </p:endSync>
+                <p:childTnLst>
+                  <p:par>
+                    <p:cTn id="9" fill="hold">
+                      <p:stCondLst>
+                        <p:cond delay="0"/>
+                      </p:stCondLst>
+                      <p:childTnLst>
+                        <p:par>
+                          <p:cTn id="10" fill="hold">
+                            <p:stCondLst>
+                              <p:cond delay="0"/>
+                            </p:stCondLst>
+                            <p:childTnLst>
+                              <p:par>
+                                <p:cTn id="11" presetID="2" presetClass="mediacall" presetSubtype="0" fill="hold" nodeType="clickEffect">
+                                  <p:stCondLst>
+                                    <p:cond delay="0"/>
+                                  </p:stCondLst>
+                                  <p:childTnLst>
+                                    <p:cmd type="call" cmd="togglePause">
+                                      <p:cBhvr>
+                                        <p:cTn id="12" dur="1" fill="hold"/>
+                                        <p:tgtEl>
+                                          <p:spTgt spid="3"/>
+                                        </p:tgtEl>
+                                      </p:cBhvr>
+                                    </p:cmd>
+                                  </p:childTnLst>
+                                </p:cTn>
+                              </p:par>
+                            </p:childTnLst>
+                          </p:cTn>
+                        </p:par>
+                      </p:childTnLst>
+                    </p:cTn>
+                  </p:par>
+                </p:childTnLst>
+              </p:cTn>
+              <p:nextCondLst>
+                <p:cond evt="onClick" delay="0">
+                  <p:tgtEl>
+                    <p:spTgt spid="3"/>
+                  </p:tgtEl>
+                </p:cond>
+              </p:nextCondLst>
+            </p:seq>
+          </p:childTnLst>
+        </p:cTn>
+      </p:par>
+    </p:tnLst>
+  </p:timing>
 </p:sld>
 </file>
 

--- a/Lecture/Data Ethics/Data_Ethics_Lecture.pptx
+++ b/Lecture/Data Ethics/Data_Ethics_Lecture.pptx
@@ -302,7 +302,7 @@
               <a:pPr>
                 <a:defRPr/>
               </a:pPr>
-              <a:t>7/22/2021</a:t>
+              <a:t>7/28/2021</a:t>
             </a:fld>
             <a:endParaRPr lang="en-US" dirty="0"/>
           </a:p>
@@ -514,7 +514,7 @@
               <a:pPr>
                 <a:defRPr/>
               </a:pPr>
-              <a:t>7/22/2021</a:t>
+              <a:t>7/28/2021</a:t>
             </a:fld>
             <a:endParaRPr lang="en-US" dirty="0"/>
           </a:p>
@@ -1033,7 +1033,7 @@
               <a:pPr>
                 <a:defRPr/>
               </a:pPr>
-              <a:t>7/22/2021</a:t>
+              <a:t>7/28/2021</a:t>
             </a:fld>
             <a:endParaRPr lang="en-US" dirty="0"/>
           </a:p>
@@ -1223,7 +1223,7 @@
               <a:pPr>
                 <a:defRPr/>
               </a:pPr>
-              <a:t>7/22/2021</a:t>
+              <a:t>7/28/2021</a:t>
             </a:fld>
             <a:endParaRPr lang="en-US" dirty="0"/>
           </a:p>
@@ -1423,7 +1423,7 @@
               <a:pPr>
                 <a:defRPr/>
               </a:pPr>
-              <a:t>7/22/2021</a:t>
+              <a:t>7/28/2021</a:t>
             </a:fld>
             <a:endParaRPr lang="en-US" dirty="0"/>
           </a:p>
@@ -1691,7 +1691,7 @@
               <a:pPr>
                 <a:defRPr/>
               </a:pPr>
-              <a:t>7/22/2021</a:t>
+              <a:t>7/28/2021</a:t>
             </a:fld>
             <a:endParaRPr lang="en-US" dirty="0">
               <a:solidFill>
@@ -1905,7 +1905,7 @@
               <a:pPr>
                 <a:defRPr/>
               </a:pPr>
-              <a:t>7/22/2021</a:t>
+              <a:t>7/28/2021</a:t>
             </a:fld>
             <a:endParaRPr lang="en-US" dirty="0">
               <a:solidFill>
@@ -2196,7 +2196,7 @@
               <a:pPr>
                 <a:defRPr/>
               </a:pPr>
-              <a:t>7/22/2021</a:t>
+              <a:t>7/28/2021</a:t>
             </a:fld>
             <a:endParaRPr lang="en-US" dirty="0">
               <a:solidFill>
@@ -2527,7 +2527,7 @@
               <a:pPr>
                 <a:defRPr/>
               </a:pPr>
-              <a:t>7/22/2021</a:t>
+              <a:t>7/28/2021</a:t>
             </a:fld>
             <a:endParaRPr lang="en-US" dirty="0">
               <a:solidFill>
@@ -2992,7 +2992,7 @@
               <a:pPr>
                 <a:defRPr/>
               </a:pPr>
-              <a:t>7/22/2021</a:t>
+              <a:t>7/28/2021</a:t>
             </a:fld>
             <a:endParaRPr lang="en-US" dirty="0">
               <a:solidFill>
@@ -3155,7 +3155,7 @@
               <a:pPr>
                 <a:defRPr/>
               </a:pPr>
-              <a:t>7/22/2021</a:t>
+              <a:t>7/28/2021</a:t>
             </a:fld>
             <a:endParaRPr lang="en-US" dirty="0">
               <a:solidFill>
@@ -3296,7 +3296,7 @@
               <a:pPr>
                 <a:defRPr/>
               </a:pPr>
-              <a:t>7/22/2021</a:t>
+              <a:t>7/28/2021</a:t>
             </a:fld>
             <a:endParaRPr lang="en-US" dirty="0">
               <a:solidFill>
@@ -3617,7 +3617,7 @@
               <a:pPr>
                 <a:defRPr/>
               </a:pPr>
-              <a:t>7/22/2021</a:t>
+              <a:t>7/28/2021</a:t>
             </a:fld>
             <a:endParaRPr lang="en-US" dirty="0">
               <a:solidFill>
@@ -3825,7 +3825,7 @@
               <a:pPr>
                 <a:defRPr/>
               </a:pPr>
-              <a:t>7/22/2021</a:t>
+              <a:t>7/28/2021</a:t>
             </a:fld>
             <a:endParaRPr lang="en-US" dirty="0"/>
           </a:p>
@@ -4108,7 +4108,7 @@
               <a:pPr>
                 <a:defRPr/>
               </a:pPr>
-              <a:t>7/22/2021</a:t>
+              <a:t>7/28/2021</a:t>
             </a:fld>
             <a:endParaRPr lang="en-US" dirty="0">
               <a:solidFill>
@@ -4322,7 +4322,7 @@
               <a:pPr>
                 <a:defRPr/>
               </a:pPr>
-              <a:t>7/22/2021</a:t>
+              <a:t>7/28/2021</a:t>
             </a:fld>
             <a:endParaRPr lang="en-US" dirty="0">
               <a:solidFill>
@@ -4546,7 +4546,7 @@
               <a:pPr>
                 <a:defRPr/>
               </a:pPr>
-              <a:t>7/22/2021</a:t>
+              <a:t>7/28/2021</a:t>
             </a:fld>
             <a:endParaRPr lang="en-US" dirty="0">
               <a:solidFill>
@@ -4756,7 +4756,7 @@
               <a:pPr>
                 <a:defRPr/>
               </a:pPr>
-              <a:t>7/22/2021</a:t>
+              <a:t>7/28/2021</a:t>
             </a:fld>
             <a:endParaRPr lang="en-US" dirty="0">
               <a:solidFill>
@@ -5033,7 +5033,7 @@
               <a:pPr>
                 <a:defRPr/>
               </a:pPr>
-              <a:t>7/22/2021</a:t>
+              <a:t>7/28/2021</a:t>
             </a:fld>
             <a:endParaRPr lang="en-US" dirty="0"/>
           </a:p>
@@ -5340,7 +5340,7 @@
               <a:pPr>
                 <a:defRPr/>
               </a:pPr>
-              <a:t>7/22/2021</a:t>
+              <a:t>7/28/2021</a:t>
             </a:fld>
             <a:endParaRPr lang="en-US" dirty="0"/>
           </a:p>
@@ -5781,7 +5781,7 @@
               <a:pPr>
                 <a:defRPr/>
               </a:pPr>
-              <a:t>7/22/2021</a:t>
+              <a:t>7/28/2021</a:t>
             </a:fld>
             <a:endParaRPr lang="en-US" dirty="0"/>
           </a:p>
@@ -5920,7 +5920,7 @@
               <a:pPr>
                 <a:defRPr/>
               </a:pPr>
-              <a:t>7/22/2021</a:t>
+              <a:t>7/28/2021</a:t>
             </a:fld>
             <a:endParaRPr lang="en-US" dirty="0"/>
           </a:p>
@@ -6037,7 +6037,7 @@
               <a:pPr>
                 <a:defRPr/>
               </a:pPr>
-              <a:t>7/22/2021</a:t>
+              <a:t>7/28/2021</a:t>
             </a:fld>
             <a:endParaRPr lang="en-US" dirty="0"/>
           </a:p>
@@ -6334,7 +6334,7 @@
               <a:pPr>
                 <a:defRPr/>
               </a:pPr>
-              <a:t>7/22/2021</a:t>
+              <a:t>7/28/2021</a:t>
             </a:fld>
             <a:endParaRPr lang="en-US" dirty="0"/>
           </a:p>
@@ -6611,7 +6611,7 @@
               <a:pPr>
                 <a:defRPr/>
               </a:pPr>
-              <a:t>7/22/2021</a:t>
+              <a:t>7/28/2021</a:t>
             </a:fld>
             <a:endParaRPr lang="en-US" dirty="0"/>
           </a:p>
@@ -6868,7 +6868,7 @@
               <a:pPr>
                 <a:defRPr/>
               </a:pPr>
-              <a:t>7/22/2021</a:t>
+              <a:t>7/28/2021</a:t>
             </a:fld>
             <a:endParaRPr lang="en-US" dirty="0"/>
           </a:p>
@@ -7578,7 +7578,7 @@
               <a:pPr>
                 <a:defRPr/>
               </a:pPr>
-              <a:t>7/22/2021</a:t>
+              <a:t>7/28/2021</a:t>
             </a:fld>
             <a:endParaRPr lang="en-US" dirty="0">
               <a:solidFill>
@@ -12241,7 +12241,7 @@
                   <a:srgbClr val="404040"/>
                 </a:solidFill>
               </a:rPr>
-              <a:t>Decisions Based on Our Analyses Can Effect Others</a:t>
+              <a:t>Decisions Based on Our Analyses Can Affect Others</a:t>
             </a:r>
           </a:p>
           <a:p>
